--- a/OtherFiles/Prototype1.pptx
+++ b/OtherFiles/Prototype1.pptx
@@ -104,6 +104,11 @@
       </a:defRPr>
     </a:lvl9pPr>
   </p:defaultTextStyle>
+  <p:extLst>
+    <p:ext uri="{EFAFB233-063F-42B5-8137-9DF3F51BA10A}">
+      <p15:sldGuideLst xmlns:p15="http://schemas.microsoft.com/office/powerpoint/2012/main"/>
+    </p:ext>
+  </p:extLst>
 </p:presentation>
 </file>
 
@@ -152,7 +157,6 @@
               <a:rPr lang="en-US"/>
               <a:t>Click to edit Master title style</a:t>
             </a:r>
-            <a:endParaRPr lang="en-US"/>
           </a:p>
         </p:txBody>
       </p:sp>
@@ -217,7 +221,6 @@
               <a:rPr lang="en-US"/>
               <a:t>Click to edit Master subtitle style</a:t>
             </a:r>
-            <a:endParaRPr lang="en-US"/>
           </a:p>
         </p:txBody>
       </p:sp>
@@ -335,7 +338,6 @@
               <a:rPr lang="en-US"/>
               <a:t>Click to edit Master title style</a:t>
             </a:r>
-            <a:endParaRPr lang="en-US"/>
           </a:p>
         </p:txBody>
       </p:sp>
@@ -387,7 +389,6 @@
               <a:rPr lang="en-US"/>
               <a:t>Fifth level</a:t>
             </a:r>
-            <a:endParaRPr lang="en-US"/>
           </a:p>
         </p:txBody>
       </p:sp>
@@ -510,7 +511,6 @@
               <a:rPr lang="en-US"/>
               <a:t>Click to edit Master title style</a:t>
             </a:r>
-            <a:endParaRPr lang="en-US"/>
           </a:p>
         </p:txBody>
       </p:sp>
@@ -567,7 +567,6 @@
               <a:rPr lang="en-US"/>
               <a:t>Fifth level</a:t>
             </a:r>
-            <a:endParaRPr lang="en-US"/>
           </a:p>
         </p:txBody>
       </p:sp>
@@ -685,7 +684,6 @@
               <a:rPr lang="en-US"/>
               <a:t>Click to edit Master title style</a:t>
             </a:r>
-            <a:endParaRPr lang="en-US"/>
           </a:p>
         </p:txBody>
       </p:sp>
@@ -737,7 +735,6 @@
               <a:rPr lang="en-US"/>
               <a:t>Fifth level</a:t>
             </a:r>
-            <a:endParaRPr lang="en-US"/>
           </a:p>
         </p:txBody>
       </p:sp>
@@ -864,7 +861,6 @@
               <a:rPr lang="en-US"/>
               <a:t>Click to edit Master title style</a:t>
             </a:r>
-            <a:endParaRPr lang="en-US"/>
           </a:p>
         </p:txBody>
       </p:sp>
@@ -1101,7 +1097,6 @@
               <a:rPr lang="en-US"/>
               <a:t>Click to edit Master title style</a:t>
             </a:r>
-            <a:endParaRPr lang="en-US"/>
           </a:p>
         </p:txBody>
       </p:sp>
@@ -1158,7 +1153,6 @@
               <a:rPr lang="en-US"/>
               <a:t>Fifth level</a:t>
             </a:r>
-            <a:endParaRPr lang="en-US"/>
           </a:p>
         </p:txBody>
       </p:sp>
@@ -1215,7 +1209,6 @@
               <a:rPr lang="en-US"/>
               <a:t>Fifth level</a:t>
             </a:r>
-            <a:endParaRPr lang="en-US"/>
           </a:p>
         </p:txBody>
       </p:sp>
@@ -1338,7 +1331,6 @@
               <a:rPr lang="en-US"/>
               <a:t>Click to edit Master title style</a:t>
             </a:r>
-            <a:endParaRPr lang="en-US"/>
           </a:p>
         </p:txBody>
       </p:sp>
@@ -1460,7 +1452,6 @@
               <a:rPr lang="en-US"/>
               <a:t>Fifth level</a:t>
             </a:r>
-            <a:endParaRPr lang="en-US"/>
           </a:p>
         </p:txBody>
       </p:sp>
@@ -1582,7 +1573,6 @@
               <a:rPr lang="en-US"/>
               <a:t>Fifth level</a:t>
             </a:r>
-            <a:endParaRPr lang="en-US"/>
           </a:p>
         </p:txBody>
       </p:sp>
@@ -1700,7 +1690,6 @@
               <a:rPr lang="en-US"/>
               <a:t>Click to edit Master title style</a:t>
             </a:r>
-            <a:endParaRPr lang="en-US"/>
           </a:p>
         </p:txBody>
       </p:sp>
@@ -1922,7 +1911,6 @@
               <a:rPr lang="en-US"/>
               <a:t>Click to edit Master title style</a:t>
             </a:r>
-            <a:endParaRPr lang="en-US"/>
           </a:p>
         </p:txBody>
       </p:sp>
@@ -2007,7 +1995,6 @@
               <a:rPr lang="en-US"/>
               <a:t>Fifth level</a:t>
             </a:r>
-            <a:endParaRPr lang="en-US"/>
           </a:p>
         </p:txBody>
       </p:sp>
@@ -2199,7 +2186,6 @@
               <a:rPr lang="en-US"/>
               <a:t>Click to edit Master title style</a:t>
             </a:r>
-            <a:endParaRPr lang="en-US"/>
           </a:p>
         </p:txBody>
       </p:sp>
@@ -2458,7 +2444,6 @@
               <a:rPr lang="en-US"/>
               <a:t>Click to edit Master title style</a:t>
             </a:r>
-            <a:endParaRPr lang="en-US"/>
           </a:p>
         </p:txBody>
       </p:sp>
@@ -2520,7 +2505,6 @@
               <a:rPr lang="en-US"/>
               <a:t>Fifth level</a:t>
             </a:r>
-            <a:endParaRPr lang="en-US"/>
           </a:p>
         </p:txBody>
       </p:sp>
@@ -2972,7 +2956,7 @@
         </p:nvSpPr>
         <p:spPr>
           <a:xfrm>
-            <a:off x="212435" y="443345"/>
+            <a:off x="323755" y="427443"/>
             <a:ext cx="914400" cy="1828800"/>
           </a:xfrm>
           <a:prstGeom prst="rect">
@@ -3026,7 +3010,7 @@
         </p:nvSpPr>
         <p:spPr>
           <a:xfrm>
-            <a:off x="2886645" y="1877311"/>
+            <a:off x="2997965" y="1861409"/>
             <a:ext cx="1828800" cy="914400"/>
           </a:xfrm>
           <a:prstGeom prst="rect">
@@ -3066,7 +3050,7 @@
         </p:nvSpPr>
         <p:spPr>
           <a:xfrm>
-            <a:off x="6659979" y="1871941"/>
+            <a:off x="5753532" y="1856039"/>
             <a:ext cx="1828800" cy="914400"/>
           </a:xfrm>
           <a:prstGeom prst="rect">
@@ -3106,7 +3090,7 @@
         </p:nvSpPr>
         <p:spPr>
           <a:xfrm>
-            <a:off x="2477944" y="681370"/>
+            <a:off x="5499462" y="663286"/>
             <a:ext cx="1371600" cy="457200"/>
           </a:xfrm>
           <a:prstGeom prst="rect">
@@ -3157,7 +3141,7 @@
         </p:nvSpPr>
         <p:spPr>
           <a:xfrm>
-            <a:off x="413910" y="587272"/>
+            <a:off x="525230" y="571370"/>
             <a:ext cx="457200" cy="457200"/>
           </a:xfrm>
           <a:prstGeom prst="ellipse">
@@ -3200,7 +3184,7 @@
         </p:nvSpPr>
         <p:spPr>
           <a:xfrm>
-            <a:off x="413910" y="1118363"/>
+            <a:off x="525230" y="1102461"/>
             <a:ext cx="457200" cy="457200"/>
           </a:xfrm>
           <a:prstGeom prst="ellipse">
@@ -3243,7 +3227,7 @@
         </p:nvSpPr>
         <p:spPr>
           <a:xfrm>
-            <a:off x="413910" y="1664875"/>
+            <a:off x="525230" y="1648973"/>
             <a:ext cx="457200" cy="457200"/>
           </a:xfrm>
           <a:prstGeom prst="ellipse">
@@ -3286,7 +3270,7 @@
         </p:nvSpPr>
         <p:spPr>
           <a:xfrm>
-            <a:off x="212435" y="2366838"/>
+            <a:off x="323755" y="2350936"/>
             <a:ext cx="914400" cy="1828800"/>
           </a:xfrm>
           <a:prstGeom prst="rect">
@@ -3340,7 +3324,7 @@
         </p:nvSpPr>
         <p:spPr>
           <a:xfrm>
-            <a:off x="413910" y="2510765"/>
+            <a:off x="525230" y="2494863"/>
             <a:ext cx="457200" cy="457200"/>
           </a:xfrm>
           <a:prstGeom prst="ellipse">
@@ -3383,7 +3367,7 @@
         </p:nvSpPr>
         <p:spPr>
           <a:xfrm>
-            <a:off x="413910" y="3041856"/>
+            <a:off x="525230" y="3025954"/>
             <a:ext cx="457200" cy="457200"/>
           </a:xfrm>
           <a:prstGeom prst="ellipse">
@@ -3426,7 +3410,7 @@
         </p:nvSpPr>
         <p:spPr>
           <a:xfrm>
-            <a:off x="413910" y="3588368"/>
+            <a:off x="525230" y="3572466"/>
             <a:ext cx="457200" cy="457200"/>
           </a:xfrm>
           <a:prstGeom prst="ellipse">
@@ -3472,7 +3456,7 @@
         </p:nvCxnSpPr>
         <p:spPr>
           <a:xfrm>
-            <a:off x="871110" y="815872"/>
+            <a:off x="982430" y="799970"/>
             <a:ext cx="2015535" cy="1516707"/>
           </a:xfrm>
           <a:prstGeom prst="straightConnector1">
@@ -3508,7 +3492,7 @@
         </p:nvCxnSpPr>
         <p:spPr>
           <a:xfrm>
-            <a:off x="871110" y="1346963"/>
+            <a:off x="982430" y="1331061"/>
             <a:ext cx="2015535" cy="985616"/>
           </a:xfrm>
           <a:prstGeom prst="straightConnector1">
@@ -3544,7 +3528,7 @@
         </p:nvCxnSpPr>
         <p:spPr>
           <a:xfrm>
-            <a:off x="871110" y="1893475"/>
+            <a:off x="982430" y="1877573"/>
             <a:ext cx="2015535" cy="439104"/>
           </a:xfrm>
           <a:prstGeom prst="straightConnector1">
@@ -3577,7 +3561,7 @@
         </p:nvSpPr>
         <p:spPr>
           <a:xfrm>
-            <a:off x="2886645" y="1875379"/>
+            <a:off x="2997965" y="1859477"/>
             <a:ext cx="640080" cy="914400"/>
           </a:xfrm>
           <a:prstGeom prst="rect">
@@ -3623,7 +3607,7 @@
         </p:nvCxnSpPr>
         <p:spPr>
           <a:xfrm flipV="1">
-            <a:off x="871110" y="2332579"/>
+            <a:off x="982430" y="2316677"/>
             <a:ext cx="2015535" cy="406786"/>
           </a:xfrm>
           <a:prstGeom prst="straightConnector1">
@@ -3659,7 +3643,7 @@
         </p:nvCxnSpPr>
         <p:spPr>
           <a:xfrm flipV="1">
-            <a:off x="871110" y="2332579"/>
+            <a:off x="982430" y="2316677"/>
             <a:ext cx="2015535" cy="937877"/>
           </a:xfrm>
           <a:prstGeom prst="straightConnector1">
@@ -3695,7 +3679,7 @@
         </p:nvCxnSpPr>
         <p:spPr>
           <a:xfrm flipV="1">
-            <a:off x="871110" y="2332579"/>
+            <a:off x="982430" y="2316677"/>
             <a:ext cx="2015535" cy="1484389"/>
           </a:xfrm>
           <a:prstGeom prst="straightConnector1">
@@ -3728,7 +3712,7 @@
         </p:nvSpPr>
         <p:spPr>
           <a:xfrm>
-            <a:off x="3653263" y="1875379"/>
+            <a:off x="3764583" y="1859477"/>
             <a:ext cx="640080" cy="914400"/>
           </a:xfrm>
           <a:prstGeom prst="rect">
@@ -3771,7 +3755,7 @@
         </p:nvSpPr>
         <p:spPr>
           <a:xfrm rot="10800000">
-            <a:off x="3571809" y="1138570"/>
+            <a:off x="6593327" y="1120486"/>
             <a:ext cx="355319" cy="734877"/>
           </a:xfrm>
           <a:prstGeom prst="downArrow">
@@ -3811,7 +3795,7 @@
         </p:nvCxnSpPr>
         <p:spPr>
           <a:xfrm flipV="1">
-            <a:off x="3488685" y="1346963"/>
+            <a:off x="6510203" y="1328879"/>
             <a:ext cx="509104" cy="228600"/>
           </a:xfrm>
           <a:prstGeom prst="line">
@@ -3841,7 +3825,7 @@
         </p:nvSpPr>
         <p:spPr>
           <a:xfrm>
-            <a:off x="3036100" y="1334172"/>
+            <a:off x="6057618" y="1316088"/>
             <a:ext cx="694755" cy="276999"/>
           </a:xfrm>
           <a:prstGeom prst="rect">
@@ -3870,7 +3854,7 @@
         </p:nvSpPr>
         <p:spPr>
           <a:xfrm>
-            <a:off x="4118788" y="1138569"/>
+            <a:off x="7166738" y="1116400"/>
             <a:ext cx="355319" cy="734877"/>
           </a:xfrm>
           <a:prstGeom prst="downArrow">
@@ -3910,7 +3894,7 @@
         </p:nvSpPr>
         <p:spPr>
           <a:xfrm>
-            <a:off x="3930797" y="677504"/>
+            <a:off x="6978747" y="655335"/>
             <a:ext cx="731520" cy="457200"/>
           </a:xfrm>
           <a:prstGeom prst="rect">
@@ -3954,7 +3938,7 @@
         </p:nvCxnSpPr>
         <p:spPr>
           <a:xfrm flipV="1">
-            <a:off x="4051328" y="1359338"/>
+            <a:off x="7099278" y="1337169"/>
             <a:ext cx="509104" cy="228600"/>
           </a:xfrm>
           <a:prstGeom prst="line">
@@ -3984,7 +3968,7 @@
         </p:nvSpPr>
         <p:spPr>
           <a:xfrm>
-            <a:off x="4410307" y="1356199"/>
+            <a:off x="7513914" y="1349932"/>
             <a:ext cx="694755" cy="276999"/>
           </a:xfrm>
           <a:prstGeom prst="rect">
@@ -4013,7 +3997,7 @@
         </p:nvSpPr>
         <p:spPr>
           <a:xfrm>
-            <a:off x="3838445" y="3527036"/>
+            <a:off x="3949765" y="3511134"/>
             <a:ext cx="731520" cy="457200"/>
           </a:xfrm>
           <a:prstGeom prst="rect">
@@ -4064,7 +4048,7 @@
         </p:nvSpPr>
         <p:spPr>
           <a:xfrm>
-            <a:off x="4026546" y="2786341"/>
+            <a:off x="4137866" y="2770439"/>
             <a:ext cx="355319" cy="734877"/>
           </a:xfrm>
           <a:prstGeom prst="downArrow">
@@ -4104,7 +4088,7 @@
         </p:nvCxnSpPr>
         <p:spPr>
           <a:xfrm flipV="1">
-            <a:off x="3948350" y="3156190"/>
+            <a:off x="4059670" y="3140288"/>
             <a:ext cx="509104" cy="228600"/>
           </a:xfrm>
           <a:prstGeom prst="line">
@@ -4134,7 +4118,7 @@
         </p:nvSpPr>
         <p:spPr>
           <a:xfrm>
-            <a:off x="4307329" y="3153051"/>
+            <a:off x="4418649" y="3137149"/>
             <a:ext cx="694755" cy="276999"/>
           </a:xfrm>
           <a:prstGeom prst="rect">
@@ -4163,7 +4147,7 @@
         </p:nvSpPr>
         <p:spPr>
           <a:xfrm>
-            <a:off x="4355047" y="2135768"/>
+            <a:off x="4466367" y="2119866"/>
             <a:ext cx="365760" cy="365760"/>
           </a:xfrm>
           <a:prstGeom prst="rect">
@@ -4214,7 +4198,7 @@
         </p:nvSpPr>
         <p:spPr>
           <a:xfrm>
-            <a:off x="6663853" y="2134263"/>
+            <a:off x="5757406" y="2118361"/>
             <a:ext cx="365760" cy="365760"/>
           </a:xfrm>
           <a:prstGeom prst="rect">
@@ -4273,8 +4257,8 @@
         </p:nvCxnSpPr>
         <p:spPr>
           <a:xfrm flipV="1">
-            <a:off x="4720807" y="2317143"/>
-            <a:ext cx="1943046" cy="1505"/>
+            <a:off x="4832127" y="2301241"/>
+            <a:ext cx="925279" cy="1505"/>
           </a:xfrm>
           <a:prstGeom prst="straightConnector1">
             <a:avLst/>
@@ -4738,14 +4722,14 @@
           <p:nvPr>
             <p:extLst>
               <p:ext uri="{D42A27DB-BD31-4B8C-83A1-F6EECF244321}">
-                <p14:modId xmlns:p14="http://schemas.microsoft.com/office/powerpoint/2010/main" val="3685424248"/>
+                <p14:modId xmlns:p14="http://schemas.microsoft.com/office/powerpoint/2010/main" val="171677071"/>
               </p:ext>
             </p:extLst>
           </p:nvPr>
         </p:nvGraphicFramePr>
         <p:xfrm>
-          <a:off x="10089936" y="969574"/>
-          <a:ext cx="1532096" cy="3962400"/>
+          <a:off x="8702539" y="427443"/>
+          <a:ext cx="1532096" cy="3352800"/>
         </p:xfrm>
         <a:graphic>
           <a:graphicData uri="http://schemas.openxmlformats.org/drawingml/2006/table">
@@ -5092,77 +5076,6 @@
                     <a:p>
                       <a:r>
                         <a:rPr lang="en-US" sz="1400" dirty="0"/>
-                        <a:t>LCD</a:t>
-                      </a:r>
-                    </a:p>
-                  </a:txBody>
-                  <a:tcPr/>
-                </a:tc>
-                <a:tc>
-                  <a:txBody>
-                    <a:bodyPr/>
-                    <a:lstStyle/>
-                    <a:p>
-                      <a:r>
-                        <a:rPr lang="en-US" sz="1400" dirty="0"/>
-                        <a:t>2-9</a:t>
-                      </a:r>
-                    </a:p>
-                  </a:txBody>
-                  <a:tcPr/>
-                </a:tc>
-                <a:extLst>
-                  <a:ext uri="{0D108BD9-81ED-4DB2-BD59-A6C34878D82A}">
-                    <a16:rowId xmlns:a16="http://schemas.microsoft.com/office/drawing/2014/main" val="751764871"/>
-                  </a:ext>
-                </a:extLst>
-              </a:tr>
-              <a:tr h="300789">
-                <a:tc>
-                  <a:txBody>
-                    <a:bodyPr/>
-                    <a:lstStyle/>
-                    <a:p>
-                      <a:r>
-                        <a:rPr lang="en-US" sz="1400" dirty="0"/>
-                        <a:t>Buttons</a:t>
-                      </a:r>
-                    </a:p>
-                  </a:txBody>
-                  <a:tcPr/>
-                </a:tc>
-                <a:tc>
-                  <a:txBody>
-                    <a:bodyPr/>
-                    <a:lstStyle/>
-                    <a:p>
-                      <a:r>
-                        <a:rPr lang="en-US" sz="1400" dirty="0"/>
-                        <a:t>10</a:t>
-                      </a:r>
-                      <a:r>
-                        <a:rPr lang="en-US" sz="1400" baseline="0" dirty="0"/>
-                        <a:t>-11</a:t>
-                      </a:r>
-                      <a:endParaRPr lang="en-US" sz="1400" dirty="0"/>
-                    </a:p>
-                  </a:txBody>
-                  <a:tcPr/>
-                </a:tc>
-                <a:extLst>
-                  <a:ext uri="{0D108BD9-81ED-4DB2-BD59-A6C34878D82A}">
-                    <a16:rowId xmlns:a16="http://schemas.microsoft.com/office/drawing/2014/main" val="730587744"/>
-                  </a:ext>
-                </a:extLst>
-              </a:tr>
-              <a:tr h="300789">
-                <a:tc>
-                  <a:txBody>
-                    <a:bodyPr/>
-                    <a:lstStyle/>
-                    <a:p>
-                      <a:r>
-                        <a:rPr lang="en-US" sz="1400" dirty="0"/>
                         <a:t>Hum</a:t>
                       </a:r>
                     </a:p>
@@ -5225,6 +5138,276 @@
           </a:graphicData>
         </a:graphic>
       </p:graphicFrame>
+      <p:sp>
+        <p:nvSpPr>
+          <p:cNvPr id="37" name="Rectangle 36"/>
+          <p:cNvSpPr/>
+          <p:nvPr/>
+        </p:nvSpPr>
+        <p:spPr>
+          <a:xfrm>
+            <a:off x="6672104" y="1851992"/>
+            <a:ext cx="914400" cy="914400"/>
+          </a:xfrm>
+          <a:prstGeom prst="rect">
+            <a:avLst/>
+          </a:prstGeom>
+        </p:spPr>
+        <p:style>
+          <a:lnRef idx="2">
+            <a:schemeClr val="accent5">
+              <a:shade val="50000"/>
+            </a:schemeClr>
+          </a:lnRef>
+          <a:fillRef idx="1">
+            <a:schemeClr val="accent5"/>
+          </a:fillRef>
+          <a:effectRef idx="0">
+            <a:schemeClr val="accent5"/>
+          </a:effectRef>
+          <a:fontRef idx="minor">
+            <a:schemeClr val="lt1"/>
+          </a:fontRef>
+        </p:style>
+        <p:txBody>
+          <a:bodyPr rtlCol="0" anchor="ctr"/>
+          <a:lstStyle/>
+          <a:p>
+            <a:pPr algn="ctr"/>
+            <a:r>
+              <a:rPr lang="en-US" sz="1200" dirty="0"/>
+              <a:t>Digital</a:t>
+            </a:r>
+          </a:p>
+        </p:txBody>
+      </p:sp>
+      <p:sp>
+        <p:nvSpPr>
+          <p:cNvPr id="2" name="TextBox 1"/>
+          <p:cNvSpPr txBox="1"/>
+          <p:nvPr/>
+        </p:nvSpPr>
+        <p:spPr>
+          <a:xfrm>
+            <a:off x="8702539" y="100798"/>
+            <a:ext cx="1532096" cy="338554"/>
+          </a:xfrm>
+          <a:prstGeom prst="rect">
+            <a:avLst/>
+          </a:prstGeom>
+          <a:noFill/>
+        </p:spPr>
+        <p:txBody>
+          <a:bodyPr wrap="square" rtlCol="0">
+            <a:spAutoFit/>
+          </a:bodyPr>
+          <a:lstStyle/>
+          <a:p>
+            <a:pPr algn="ctr"/>
+            <a:r>
+              <a:rPr lang="en-US" sz="1600" b="1" dirty="0"/>
+              <a:t>ARDUINO</a:t>
+            </a:r>
+          </a:p>
+        </p:txBody>
+      </p:sp>
+      <p:graphicFrame>
+        <p:nvGraphicFramePr>
+          <p:cNvPr id="39" name="Table 38"/>
+          <p:cNvGraphicFramePr>
+            <a:graphicFrameLocks noGrp="1"/>
+          </p:cNvGraphicFramePr>
+          <p:nvPr>
+            <p:extLst>
+              <p:ext uri="{D42A27DB-BD31-4B8C-83A1-F6EECF244321}">
+                <p14:modId xmlns:p14="http://schemas.microsoft.com/office/powerpoint/2010/main" val="198834606"/>
+              </p:ext>
+            </p:extLst>
+          </p:nvPr>
+        </p:nvGraphicFramePr>
+        <p:xfrm>
+          <a:off x="10486946" y="439352"/>
+          <a:ext cx="1532096" cy="1432560"/>
+        </p:xfrm>
+        <a:graphic>
+          <a:graphicData uri="http://schemas.openxmlformats.org/drawingml/2006/table">
+            <a:tbl>
+              <a:tblPr firstRow="1" bandRow="1">
+                <a:tableStyleId>{5C22544A-7EE6-4342-B048-85BDC9FD1C3A}</a:tableStyleId>
+              </a:tblPr>
+              <a:tblGrid>
+                <a:gridCol w="766048">
+                  <a:extLst>
+                    <a:ext uri="{9D8B030D-6E8A-4147-A177-3AD203B41FA5}">
+                      <a16:colId xmlns:a16="http://schemas.microsoft.com/office/drawing/2014/main" val="3073768352"/>
+                    </a:ext>
+                  </a:extLst>
+                </a:gridCol>
+                <a:gridCol w="766048">
+                  <a:extLst>
+                    <a:ext uri="{9D8B030D-6E8A-4147-A177-3AD203B41FA5}">
+                      <a16:colId xmlns:a16="http://schemas.microsoft.com/office/drawing/2014/main" val="3111610497"/>
+                    </a:ext>
+                  </a:extLst>
+                </a:gridCol>
+              </a:tblGrid>
+              <a:tr h="300789">
+                <a:tc>
+                  <a:txBody>
+                    <a:bodyPr/>
+                    <a:lstStyle/>
+                    <a:p>
+                      <a:r>
+                        <a:rPr lang="en-US" sz="1400" dirty="0"/>
+                        <a:t>Device</a:t>
+                      </a:r>
+                    </a:p>
+                  </a:txBody>
+                  <a:tcPr/>
+                </a:tc>
+                <a:tc>
+                  <a:txBody>
+                    <a:bodyPr/>
+                    <a:lstStyle/>
+                    <a:p>
+                      <a:r>
+                        <a:rPr lang="en-US" sz="1400" dirty="0"/>
+                        <a:t>Pin</a:t>
+                      </a:r>
+                    </a:p>
+                  </a:txBody>
+                  <a:tcPr/>
+                </a:tc>
+                <a:extLst>
+                  <a:ext uri="{0D108BD9-81ED-4DB2-BD59-A6C34878D82A}">
+                    <a16:rowId xmlns:a16="http://schemas.microsoft.com/office/drawing/2014/main" val="2716391694"/>
+                  </a:ext>
+                </a:extLst>
+              </a:tr>
+              <a:tr h="300789">
+                <a:tc>
+                  <a:txBody>
+                    <a:bodyPr/>
+                    <a:lstStyle/>
+                    <a:p>
+                      <a:r>
+                        <a:rPr lang="en-US" sz="1400" dirty="0"/>
+                        <a:t>LCD data</a:t>
+                      </a:r>
+                    </a:p>
+                  </a:txBody>
+                  <a:tcPr/>
+                </a:tc>
+                <a:tc>
+                  <a:txBody>
+                    <a:bodyPr/>
+                    <a:lstStyle/>
+                    <a:p>
+                      <a:endParaRPr lang="en-US" sz="1400" dirty="0"/>
+                    </a:p>
+                  </a:txBody>
+                  <a:tcPr/>
+                </a:tc>
+                <a:extLst>
+                  <a:ext uri="{0D108BD9-81ED-4DB2-BD59-A6C34878D82A}">
+                    <a16:rowId xmlns:a16="http://schemas.microsoft.com/office/drawing/2014/main" val="649726388"/>
+                  </a:ext>
+                </a:extLst>
+              </a:tr>
+              <a:tr h="300789">
+                <a:tc>
+                  <a:txBody>
+                    <a:bodyPr/>
+                    <a:lstStyle/>
+                    <a:p>
+                      <a:r>
+                        <a:rPr lang="en-US" sz="1400" dirty="0"/>
+                        <a:t>LCD ctrl</a:t>
+                      </a:r>
+                    </a:p>
+                  </a:txBody>
+                  <a:tcPr/>
+                </a:tc>
+                <a:tc>
+                  <a:txBody>
+                    <a:bodyPr/>
+                    <a:lstStyle/>
+                    <a:p>
+                      <a:endParaRPr lang="en-US" sz="1400" dirty="0"/>
+                    </a:p>
+                  </a:txBody>
+                  <a:tcPr/>
+                </a:tc>
+                <a:extLst>
+                  <a:ext uri="{0D108BD9-81ED-4DB2-BD59-A6C34878D82A}">
+                    <a16:rowId xmlns:a16="http://schemas.microsoft.com/office/drawing/2014/main" val="1359194977"/>
+                  </a:ext>
+                </a:extLst>
+              </a:tr>
+              <a:tr h="300789">
+                <a:tc>
+                  <a:txBody>
+                    <a:bodyPr/>
+                    <a:lstStyle/>
+                    <a:p>
+                      <a:r>
+                        <a:rPr lang="en-US" sz="1400" dirty="0"/>
+                        <a:t>Buttons</a:t>
+                      </a:r>
+                    </a:p>
+                  </a:txBody>
+                  <a:tcPr/>
+                </a:tc>
+                <a:tc>
+                  <a:txBody>
+                    <a:bodyPr/>
+                    <a:lstStyle/>
+                    <a:p>
+                      <a:endParaRPr lang="en-US" sz="1400" dirty="0"/>
+                    </a:p>
+                  </a:txBody>
+                  <a:tcPr/>
+                </a:tc>
+                <a:extLst>
+                  <a:ext uri="{0D108BD9-81ED-4DB2-BD59-A6C34878D82A}">
+                    <a16:rowId xmlns:a16="http://schemas.microsoft.com/office/drawing/2014/main" val="4158145919"/>
+                  </a:ext>
+                </a:extLst>
+              </a:tr>
+            </a:tbl>
+          </a:graphicData>
+        </a:graphic>
+      </p:graphicFrame>
+      <p:sp>
+        <p:nvSpPr>
+          <p:cNvPr id="40" name="TextBox 39"/>
+          <p:cNvSpPr txBox="1"/>
+          <p:nvPr/>
+        </p:nvSpPr>
+        <p:spPr>
+          <a:xfrm>
+            <a:off x="10486946" y="112707"/>
+            <a:ext cx="1532096" cy="338554"/>
+          </a:xfrm>
+          <a:prstGeom prst="rect">
+            <a:avLst/>
+          </a:prstGeom>
+          <a:noFill/>
+        </p:spPr>
+        <p:txBody>
+          <a:bodyPr wrap="square" rtlCol="0">
+            <a:spAutoFit/>
+          </a:bodyPr>
+          <a:lstStyle/>
+          <a:p>
+            <a:pPr algn="ctr"/>
+            <a:r>
+              <a:rPr lang="en-US" sz="1600" b="1" dirty="0"/>
+              <a:t>Raspberry Pi</a:t>
+            </a:r>
+          </a:p>
+        </p:txBody>
+      </p:sp>
     </p:spTree>
     <p:extLst>
       <p:ext uri="{BB962C8B-B14F-4D97-AF65-F5344CB8AC3E}">

--- a/OtherFiles/Prototype1.pptx
+++ b/OtherFiles/Prototype1.pptx
@@ -241,7 +241,7 @@
           <a:p>
             <a:fld id="{90EDB67B-7025-477A-8E11-8A77DF5BAEDD}" type="datetimeFigureOut">
               <a:rPr lang="en-US" smtClean="0"/>
-              <a:t>2/7/2017</a:t>
+              <a:t>2/8/2017</a:t>
             </a:fld>
             <a:endParaRPr lang="en-US"/>
           </a:p>
@@ -409,7 +409,7 @@
           <a:p>
             <a:fld id="{90EDB67B-7025-477A-8E11-8A77DF5BAEDD}" type="datetimeFigureOut">
               <a:rPr lang="en-US" smtClean="0"/>
-              <a:t>2/7/2017</a:t>
+              <a:t>2/8/2017</a:t>
             </a:fld>
             <a:endParaRPr lang="en-US"/>
           </a:p>
@@ -587,7 +587,7 @@
           <a:p>
             <a:fld id="{90EDB67B-7025-477A-8E11-8A77DF5BAEDD}" type="datetimeFigureOut">
               <a:rPr lang="en-US" smtClean="0"/>
-              <a:t>2/7/2017</a:t>
+              <a:t>2/8/2017</a:t>
             </a:fld>
             <a:endParaRPr lang="en-US"/>
           </a:p>
@@ -755,7 +755,7 @@
           <a:p>
             <a:fld id="{90EDB67B-7025-477A-8E11-8A77DF5BAEDD}" type="datetimeFigureOut">
               <a:rPr lang="en-US" smtClean="0"/>
-              <a:t>2/7/2017</a:t>
+              <a:t>2/8/2017</a:t>
             </a:fld>
             <a:endParaRPr lang="en-US"/>
           </a:p>
@@ -1000,7 +1000,7 @@
           <a:p>
             <a:fld id="{90EDB67B-7025-477A-8E11-8A77DF5BAEDD}" type="datetimeFigureOut">
               <a:rPr lang="en-US" smtClean="0"/>
-              <a:t>2/7/2017</a:t>
+              <a:t>2/8/2017</a:t>
             </a:fld>
             <a:endParaRPr lang="en-US"/>
           </a:p>
@@ -1229,7 +1229,7 @@
           <a:p>
             <a:fld id="{90EDB67B-7025-477A-8E11-8A77DF5BAEDD}" type="datetimeFigureOut">
               <a:rPr lang="en-US" smtClean="0"/>
-              <a:t>2/7/2017</a:t>
+              <a:t>2/8/2017</a:t>
             </a:fld>
             <a:endParaRPr lang="en-US"/>
           </a:p>
@@ -1593,7 +1593,7 @@
           <a:p>
             <a:fld id="{90EDB67B-7025-477A-8E11-8A77DF5BAEDD}" type="datetimeFigureOut">
               <a:rPr lang="en-US" smtClean="0"/>
-              <a:t>2/7/2017</a:t>
+              <a:t>2/8/2017</a:t>
             </a:fld>
             <a:endParaRPr lang="en-US"/>
           </a:p>
@@ -1710,7 +1710,7 @@
           <a:p>
             <a:fld id="{90EDB67B-7025-477A-8E11-8A77DF5BAEDD}" type="datetimeFigureOut">
               <a:rPr lang="en-US" smtClean="0"/>
-              <a:t>2/7/2017</a:t>
+              <a:t>2/8/2017</a:t>
             </a:fld>
             <a:endParaRPr lang="en-US"/>
           </a:p>
@@ -1805,7 +1805,7 @@
           <a:p>
             <a:fld id="{90EDB67B-7025-477A-8E11-8A77DF5BAEDD}" type="datetimeFigureOut">
               <a:rPr lang="en-US" smtClean="0"/>
-              <a:t>2/7/2017</a:t>
+              <a:t>2/8/2017</a:t>
             </a:fld>
             <a:endParaRPr lang="en-US"/>
           </a:p>
@@ -2080,7 +2080,7 @@
           <a:p>
             <a:fld id="{90EDB67B-7025-477A-8E11-8A77DF5BAEDD}" type="datetimeFigureOut">
               <a:rPr lang="en-US" smtClean="0"/>
-              <a:t>2/7/2017</a:t>
+              <a:t>2/8/2017</a:t>
             </a:fld>
             <a:endParaRPr lang="en-US"/>
           </a:p>
@@ -2332,7 +2332,7 @@
           <a:p>
             <a:fld id="{90EDB67B-7025-477A-8E11-8A77DF5BAEDD}" type="datetimeFigureOut">
               <a:rPr lang="en-US" smtClean="0"/>
-              <a:t>2/7/2017</a:t>
+              <a:t>2/8/2017</a:t>
             </a:fld>
             <a:endParaRPr lang="en-US"/>
           </a:p>
@@ -2543,7 +2543,7 @@
           <a:p>
             <a:fld id="{90EDB67B-7025-477A-8E11-8A77DF5BAEDD}" type="datetimeFigureOut">
               <a:rPr lang="en-US" smtClean="0"/>
-              <a:t>2/7/2017</a:t>
+              <a:t>2/8/2017</a:t>
             </a:fld>
             <a:endParaRPr lang="en-US"/>
           </a:p>
@@ -4134,7 +4134,7 @@
           <a:p>
             <a:r>
               <a:rPr lang="en-US" sz="1200" dirty="0"/>
-              <a:t>1 Pin</a:t>
+              <a:t>4 Pin</a:t>
             </a:r>
           </a:p>
         </p:txBody>
@@ -4722,7 +4722,7 @@
           <p:nvPr>
             <p:extLst>
               <p:ext uri="{D42A27DB-BD31-4B8C-83A1-F6EECF244321}">
-                <p14:modId xmlns:p14="http://schemas.microsoft.com/office/powerpoint/2010/main" val="171677071"/>
+                <p14:modId xmlns:p14="http://schemas.microsoft.com/office/powerpoint/2010/main" val="56079428"/>
               </p:ext>
             </p:extLst>
           </p:nvPr>
@@ -5089,7 +5089,7 @@
                     <a:p>
                       <a:r>
                         <a:rPr lang="en-US" sz="1400" dirty="0"/>
-                        <a:t>12</a:t>
+                        <a:t>2</a:t>
                       </a:r>
                     </a:p>
                   </a:txBody>
@@ -5122,7 +5122,7 @@
                     <a:p>
                       <a:r>
                         <a:rPr lang="en-US" sz="1400" dirty="0"/>
-                        <a:t>13</a:t>
+                        <a:t>10-13</a:t>
                       </a:r>
                     </a:p>
                   </a:txBody>
